--- a/writing/20220629.pptx
+++ b/writing/20220629.pptx
@@ -5,11 +5,15 @@
     <p:sldMasterId id="2147483648" r:id="rId1"/>
   </p:sldMasterIdLst>
   <p:notesMasterIdLst>
-    <p:notesMasterId r:id="rId4"/>
+    <p:notesMasterId r:id="rId8"/>
   </p:notesMasterIdLst>
   <p:sldIdLst>
     <p:sldId id="257" r:id="rId2"/>
     <p:sldId id="258" r:id="rId3"/>
+    <p:sldId id="260" r:id="rId4"/>
+    <p:sldId id="259" r:id="rId5"/>
+    <p:sldId id="261" r:id="rId6"/>
+    <p:sldId id="263" r:id="rId7"/>
   </p:sldIdLst>
   <p:sldSz cx="12192000" cy="6858000"/>
   <p:notesSz cx="6858000" cy="9144000"/>
@@ -108,6 +112,11 @@
       </a:defRPr>
     </a:lvl9pPr>
   </p:defaultTextStyle>
+  <p:extLst>
+    <p:ext uri="{EFAFB233-063F-42B5-8137-9DF3F51BA10A}">
+      <p15:sldGuideLst xmlns:p15="http://schemas.microsoft.com/office/powerpoint/2012/main"/>
+    </p:ext>
+  </p:extLst>
 </p:presentation>
 </file>
 
@@ -193,7 +202,7 @@
           <a:p>
             <a:fld id="{96A78E7B-E312-F44B-8D2B-2E3A2C0B4ACF}" type="datetimeFigureOut">
               <a:rPr lang="en-US" smtClean="0"/>
-              <a:t>6/27/22</a:t>
+              <a:t>6/28/22</a:t>
             </a:fld>
             <a:endParaRPr lang="en-US"/>
           </a:p>
@@ -506,33 +515,7 @@
           <a:p>
             <a:r>
               <a:rPr lang="en-US" dirty="0"/>
-              <a:t>FUBAR maybe better at detecting very weak positive selection. </a:t>
-            </a:r>
-          </a:p>
-          <a:p>
-            <a:endParaRPr lang="en-US" dirty="0"/>
-          </a:p>
-          <a:p>
-            <a:r>
-              <a:rPr lang="en-US" dirty="0"/>
-              <a:t>Look at codon table to see how many nucleotides needed to change for the amino acid change to happen. </a:t>
-            </a:r>
-          </a:p>
-          <a:p>
-            <a:endParaRPr lang="en-US" dirty="0"/>
-          </a:p>
-          <a:p>
-            <a:r>
-              <a:rPr lang="en-US" dirty="0"/>
-              <a:t>Look for correlations between the different sites and the different clades of </a:t>
-            </a:r>
-            <a:r>
-              <a:rPr lang="en-US" dirty="0" err="1"/>
-              <a:t>NiV</a:t>
-            </a:r>
-            <a:r>
-              <a:rPr lang="en-US" dirty="0"/>
-              <a:t>. Are they enriched in particular groups. </a:t>
+              <a:t>FUBAR maybe better at detecting very weak positive selection.</a:t>
             </a:r>
           </a:p>
         </p:txBody>
@@ -564,6 +547,460 @@
     <p:extLst>
       <p:ext uri="{BB962C8B-B14F-4D97-AF65-F5344CB8AC3E}">
         <p14:creationId xmlns:p14="http://schemas.microsoft.com/office/powerpoint/2010/main" val="4189496171"/>
+      </p:ext>
+    </p:extLst>
+  </p:cSld>
+  <p:clrMapOvr>
+    <a:masterClrMapping/>
+  </p:clrMapOvr>
+</p:notes>
+</file>
+
+<file path=ppt/notesSlides/notesSlide2.xml><?xml version="1.0" encoding="utf-8"?>
+<p:notes xmlns:a="http://schemas.openxmlformats.org/drawingml/2006/main" xmlns:r="http://schemas.openxmlformats.org/officeDocument/2006/relationships" xmlns:p="http://schemas.openxmlformats.org/presentationml/2006/main">
+  <p:cSld>
+    <p:spTree>
+      <p:nvGrpSpPr>
+        <p:cNvPr id="1" name=""/>
+        <p:cNvGrpSpPr/>
+        <p:nvPr/>
+      </p:nvGrpSpPr>
+      <p:grpSpPr>
+        <a:xfrm>
+          <a:off x="0" y="0"/>
+          <a:ext cx="0" cy="0"/>
+          <a:chOff x="0" y="0"/>
+          <a:chExt cx="0" cy="0"/>
+        </a:xfrm>
+      </p:grpSpPr>
+      <p:sp>
+        <p:nvSpPr>
+          <p:cNvPr id="2" name="Slide Image Placeholder 1"/>
+          <p:cNvSpPr>
+            <a:spLocks noGrp="1" noRot="1" noChangeAspect="1"/>
+          </p:cNvSpPr>
+          <p:nvPr>
+            <p:ph type="sldImg"/>
+          </p:nvPr>
+        </p:nvSpPr>
+        <p:spPr/>
+      </p:sp>
+      <p:sp>
+        <p:nvSpPr>
+          <p:cNvPr id="3" name="Notes Placeholder 2"/>
+          <p:cNvSpPr>
+            <a:spLocks noGrp="1"/>
+          </p:cNvSpPr>
+          <p:nvPr>
+            <p:ph type="body" idx="1"/>
+          </p:nvPr>
+        </p:nvSpPr>
+        <p:spPr/>
+        <p:txBody>
+          <a:bodyPr/>
+          <a:lstStyle/>
+          <a:p>
+            <a:endParaRPr lang="en-US" dirty="0"/>
+          </a:p>
+        </p:txBody>
+      </p:sp>
+      <p:sp>
+        <p:nvSpPr>
+          <p:cNvPr id="4" name="Slide Number Placeholder 3"/>
+          <p:cNvSpPr>
+            <a:spLocks noGrp="1"/>
+          </p:cNvSpPr>
+          <p:nvPr>
+            <p:ph type="sldNum" sz="quarter" idx="5"/>
+          </p:nvPr>
+        </p:nvSpPr>
+        <p:spPr/>
+        <p:txBody>
+          <a:bodyPr/>
+          <a:lstStyle/>
+          <a:p>
+            <a:fld id="{15F1861D-9581-4A48-9820-D58A0946BC9C}" type="slidenum">
+              <a:rPr lang="en-US" smtClean="0"/>
+              <a:t>3</a:t>
+            </a:fld>
+            <a:endParaRPr lang="en-US"/>
+          </a:p>
+        </p:txBody>
+      </p:sp>
+    </p:spTree>
+    <p:extLst>
+      <p:ext uri="{BB962C8B-B14F-4D97-AF65-F5344CB8AC3E}">
+        <p14:creationId xmlns:p14="http://schemas.microsoft.com/office/powerpoint/2010/main" val="409400625"/>
+      </p:ext>
+    </p:extLst>
+  </p:cSld>
+  <p:clrMapOvr>
+    <a:masterClrMapping/>
+  </p:clrMapOvr>
+</p:notes>
+</file>
+
+<file path=ppt/notesSlides/notesSlide3.xml><?xml version="1.0" encoding="utf-8"?>
+<p:notes xmlns:a="http://schemas.openxmlformats.org/drawingml/2006/main" xmlns:r="http://schemas.openxmlformats.org/officeDocument/2006/relationships" xmlns:p="http://schemas.openxmlformats.org/presentationml/2006/main">
+  <p:cSld>
+    <p:spTree>
+      <p:nvGrpSpPr>
+        <p:cNvPr id="1" name=""/>
+        <p:cNvGrpSpPr/>
+        <p:nvPr/>
+      </p:nvGrpSpPr>
+      <p:grpSpPr>
+        <a:xfrm>
+          <a:off x="0" y="0"/>
+          <a:ext cx="0" cy="0"/>
+          <a:chOff x="0" y="0"/>
+          <a:chExt cx="0" cy="0"/>
+        </a:xfrm>
+      </p:grpSpPr>
+      <p:sp>
+        <p:nvSpPr>
+          <p:cNvPr id="2" name="Slide Image Placeholder 1"/>
+          <p:cNvSpPr>
+            <a:spLocks noGrp="1" noRot="1" noChangeAspect="1"/>
+          </p:cNvSpPr>
+          <p:nvPr>
+            <p:ph type="sldImg"/>
+          </p:nvPr>
+        </p:nvSpPr>
+        <p:spPr/>
+      </p:sp>
+      <p:sp>
+        <p:nvSpPr>
+          <p:cNvPr id="3" name="Notes Placeholder 2"/>
+          <p:cNvSpPr>
+            <a:spLocks noGrp="1"/>
+          </p:cNvSpPr>
+          <p:nvPr>
+            <p:ph type="body" idx="1"/>
+          </p:nvPr>
+        </p:nvSpPr>
+        <p:spPr/>
+        <p:txBody>
+          <a:bodyPr/>
+          <a:lstStyle/>
+          <a:p>
+            <a:r>
+              <a:rPr lang="en-US" dirty="0"/>
+              <a:t>Bangladesh, India, and Thailand only</a:t>
+            </a:r>
+          </a:p>
+        </p:txBody>
+      </p:sp>
+      <p:sp>
+        <p:nvSpPr>
+          <p:cNvPr id="4" name="Slide Number Placeholder 3"/>
+          <p:cNvSpPr>
+            <a:spLocks noGrp="1"/>
+          </p:cNvSpPr>
+          <p:nvPr>
+            <p:ph type="sldNum" sz="quarter" idx="5"/>
+          </p:nvPr>
+        </p:nvSpPr>
+        <p:spPr/>
+        <p:txBody>
+          <a:bodyPr/>
+          <a:lstStyle/>
+          <a:p>
+            <a:fld id="{97A8145A-1D52-754A-89DA-2C61F00C9833}" type="slidenum">
+              <a:rPr lang="en-US" smtClean="0"/>
+              <a:t>4</a:t>
+            </a:fld>
+            <a:endParaRPr lang="en-US"/>
+          </a:p>
+        </p:txBody>
+      </p:sp>
+    </p:spTree>
+    <p:extLst>
+      <p:ext uri="{BB962C8B-B14F-4D97-AF65-F5344CB8AC3E}">
+        <p14:creationId xmlns:p14="http://schemas.microsoft.com/office/powerpoint/2010/main" val="4165138843"/>
+      </p:ext>
+    </p:extLst>
+  </p:cSld>
+  <p:clrMapOvr>
+    <a:masterClrMapping/>
+  </p:clrMapOvr>
+</p:notes>
+</file>
+
+<file path=ppt/notesSlides/notesSlide4.xml><?xml version="1.0" encoding="utf-8"?>
+<p:notes xmlns:a="http://schemas.openxmlformats.org/drawingml/2006/main" xmlns:r="http://schemas.openxmlformats.org/officeDocument/2006/relationships" xmlns:p="http://schemas.openxmlformats.org/presentationml/2006/main">
+  <p:cSld>
+    <p:spTree>
+      <p:nvGrpSpPr>
+        <p:cNvPr id="1" name=""/>
+        <p:cNvGrpSpPr/>
+        <p:nvPr/>
+      </p:nvGrpSpPr>
+      <p:grpSpPr>
+        <a:xfrm>
+          <a:off x="0" y="0"/>
+          <a:ext cx="0" cy="0"/>
+          <a:chOff x="0" y="0"/>
+          <a:chExt cx="0" cy="0"/>
+        </a:xfrm>
+      </p:grpSpPr>
+      <p:sp>
+        <p:nvSpPr>
+          <p:cNvPr id="2" name="Slide Image Placeholder 1"/>
+          <p:cNvSpPr>
+            <a:spLocks noGrp="1" noRot="1" noChangeAspect="1"/>
+          </p:cNvSpPr>
+          <p:nvPr>
+            <p:ph type="sldImg"/>
+          </p:nvPr>
+        </p:nvSpPr>
+        <p:spPr/>
+      </p:sp>
+      <p:sp>
+        <p:nvSpPr>
+          <p:cNvPr id="3" name="Notes Placeholder 2"/>
+          <p:cNvSpPr>
+            <a:spLocks noGrp="1"/>
+          </p:cNvSpPr>
+          <p:nvPr>
+            <p:ph type="body" idx="1"/>
+          </p:nvPr>
+        </p:nvSpPr>
+        <p:spPr/>
+        <p:txBody>
+          <a:bodyPr/>
+          <a:lstStyle/>
+          <a:p>
+            <a:r>
+              <a:rPr lang="en-US" dirty="0"/>
+              <a:t>Exact sites: 192-403, 502-704</a:t>
+            </a:r>
+          </a:p>
+          <a:p>
+            <a:r>
+              <a:rPr lang="en-US" dirty="0"/>
+              <a:t>All sequences</a:t>
+            </a:r>
+          </a:p>
+        </p:txBody>
+      </p:sp>
+      <p:sp>
+        <p:nvSpPr>
+          <p:cNvPr id="4" name="Slide Number Placeholder 3"/>
+          <p:cNvSpPr>
+            <a:spLocks noGrp="1"/>
+          </p:cNvSpPr>
+          <p:nvPr>
+            <p:ph type="sldNum" sz="quarter" idx="5"/>
+          </p:nvPr>
+        </p:nvSpPr>
+        <p:spPr/>
+        <p:txBody>
+          <a:bodyPr/>
+          <a:lstStyle/>
+          <a:p>
+            <a:fld id="{15F1861D-9581-4A48-9820-D58A0946BC9C}" type="slidenum">
+              <a:rPr lang="en-US" smtClean="0"/>
+              <a:t>5</a:t>
+            </a:fld>
+            <a:endParaRPr lang="en-US"/>
+          </a:p>
+        </p:txBody>
+      </p:sp>
+    </p:spTree>
+    <p:extLst>
+      <p:ext uri="{BB962C8B-B14F-4D97-AF65-F5344CB8AC3E}">
+        <p14:creationId xmlns:p14="http://schemas.microsoft.com/office/powerpoint/2010/main" val="1794543394"/>
+      </p:ext>
+    </p:extLst>
+  </p:cSld>
+  <p:clrMapOvr>
+    <a:masterClrMapping/>
+  </p:clrMapOvr>
+</p:notes>
+</file>
+
+<file path=ppt/notesSlides/notesSlide5.xml><?xml version="1.0" encoding="utf-8"?>
+<p:notes xmlns:a="http://schemas.openxmlformats.org/drawingml/2006/main" xmlns:r="http://schemas.openxmlformats.org/officeDocument/2006/relationships" xmlns:p="http://schemas.openxmlformats.org/presentationml/2006/main">
+  <p:cSld>
+    <p:spTree>
+      <p:nvGrpSpPr>
+        <p:cNvPr id="1" name=""/>
+        <p:cNvGrpSpPr/>
+        <p:nvPr/>
+      </p:nvGrpSpPr>
+      <p:grpSpPr>
+        <a:xfrm>
+          <a:off x="0" y="0"/>
+          <a:ext cx="0" cy="0"/>
+          <a:chOff x="0" y="0"/>
+          <a:chExt cx="0" cy="0"/>
+        </a:xfrm>
+      </p:grpSpPr>
+      <p:sp>
+        <p:nvSpPr>
+          <p:cNvPr id="2" name="Slide Image Placeholder 1"/>
+          <p:cNvSpPr>
+            <a:spLocks noGrp="1" noRot="1" noChangeAspect="1"/>
+          </p:cNvSpPr>
+          <p:nvPr>
+            <p:ph type="sldImg"/>
+          </p:nvPr>
+        </p:nvSpPr>
+        <p:spPr/>
+      </p:sp>
+      <p:sp>
+        <p:nvSpPr>
+          <p:cNvPr id="3" name="Notes Placeholder 2"/>
+          <p:cNvSpPr>
+            <a:spLocks noGrp="1"/>
+          </p:cNvSpPr>
+          <p:nvPr>
+            <p:ph type="body" idx="1"/>
+          </p:nvPr>
+        </p:nvSpPr>
+        <p:spPr/>
+        <p:txBody>
+          <a:bodyPr/>
+          <a:lstStyle/>
+          <a:p>
+            <a:pPr marL="0" marR="0" lvl="0" indent="0" algn="l" defTabSz="914400" rtl="0" eaLnBrk="1" fontAlgn="auto" latinLnBrk="0" hangingPunct="1">
+              <a:lnSpc>
+                <a:spcPct val="100000"/>
+              </a:lnSpc>
+              <a:spcBef>
+                <a:spcPts val="0"/>
+              </a:spcBef>
+              <a:spcAft>
+                <a:spcPts val="0"/>
+              </a:spcAft>
+              <a:buClrTx/>
+              <a:buSzTx/>
+              <a:buFontTx/>
+              <a:buNone/>
+              <a:tabLst/>
+              <a:defRPr/>
+            </a:pPr>
+            <a:r>
+              <a:rPr lang="en-US" dirty="0"/>
+              <a:t>Exact sites: 192-403, 502-704</a:t>
+            </a:r>
+          </a:p>
+          <a:p>
+            <a:pPr marL="0" marR="0" lvl="0" indent="0" algn="l" defTabSz="914400" rtl="0" eaLnBrk="1" fontAlgn="auto" latinLnBrk="0" hangingPunct="1">
+              <a:lnSpc>
+                <a:spcPct val="100000"/>
+              </a:lnSpc>
+              <a:spcBef>
+                <a:spcPts val="0"/>
+              </a:spcBef>
+              <a:spcAft>
+                <a:spcPts val="0"/>
+              </a:spcAft>
+              <a:buClrTx/>
+              <a:buSzTx/>
+              <a:buFontTx/>
+              <a:buNone/>
+              <a:tabLst/>
+              <a:defRPr/>
+            </a:pPr>
+            <a:endParaRPr lang="en-US" dirty="0"/>
+          </a:p>
+          <a:p>
+            <a:pPr marL="0" marR="0" lvl="0" indent="0" algn="l" defTabSz="914400" rtl="0" eaLnBrk="1" fontAlgn="auto" latinLnBrk="0" hangingPunct="1">
+              <a:lnSpc>
+                <a:spcPct val="100000"/>
+              </a:lnSpc>
+              <a:spcBef>
+                <a:spcPts val="0"/>
+              </a:spcBef>
+              <a:spcAft>
+                <a:spcPts val="0"/>
+              </a:spcAft>
+              <a:buClrTx/>
+              <a:buSzTx/>
+              <a:buFontTx/>
+              <a:buNone/>
+              <a:tabLst/>
+              <a:defRPr/>
+            </a:pPr>
+            <a:r>
+              <a:rPr lang="en-US" dirty="0"/>
+              <a:t>Intrinsically disordered proteins may allow more mutations (diversifying selection) because structure isn't very constrained. BUT intrinsically disordered viral proteins also tend to bind a lot of other proteins. It's like both things at once -- constrained for binding, but unconstrained structurally. </a:t>
+            </a:r>
+          </a:p>
+          <a:p>
+            <a:pPr marL="0" marR="0" lvl="0" indent="0" algn="l" defTabSz="914400" rtl="0" eaLnBrk="1" fontAlgn="auto" latinLnBrk="0" hangingPunct="1">
+              <a:lnSpc>
+                <a:spcPct val="100000"/>
+              </a:lnSpc>
+              <a:spcBef>
+                <a:spcPts val="0"/>
+              </a:spcBef>
+              <a:spcAft>
+                <a:spcPts val="0"/>
+              </a:spcAft>
+              <a:buClrTx/>
+              <a:buSzTx/>
+              <a:buFontTx/>
+              <a:buNone/>
+              <a:tabLst/>
+              <a:defRPr/>
+            </a:pPr>
+            <a:endParaRPr lang="en-US" dirty="0"/>
+          </a:p>
+          <a:p>
+            <a:pPr marL="0" marR="0" lvl="0" indent="0" algn="l" defTabSz="914400" rtl="0" eaLnBrk="1" fontAlgn="auto" latinLnBrk="0" hangingPunct="1">
+              <a:lnSpc>
+                <a:spcPct val="100000"/>
+              </a:lnSpc>
+              <a:spcBef>
+                <a:spcPts val="0"/>
+              </a:spcBef>
+              <a:spcAft>
+                <a:spcPts val="0"/>
+              </a:spcAft>
+              <a:buClrTx/>
+              <a:buSzTx/>
+              <a:buFontTx/>
+              <a:buNone/>
+              <a:tabLst/>
+              <a:defRPr/>
+            </a:pPr>
+            <a:r>
+              <a:rPr lang="en-US" dirty="0"/>
+              <a:t>Look at short proteins in evolutionary selection. If you have small proteins and small datasets, can you find anything? Look at some papers. </a:t>
+            </a:r>
+          </a:p>
+        </p:txBody>
+      </p:sp>
+      <p:sp>
+        <p:nvSpPr>
+          <p:cNvPr id="4" name="Slide Number Placeholder 3"/>
+          <p:cNvSpPr>
+            <a:spLocks noGrp="1"/>
+          </p:cNvSpPr>
+          <p:nvPr>
+            <p:ph type="sldNum" sz="quarter" idx="5"/>
+          </p:nvPr>
+        </p:nvSpPr>
+        <p:spPr/>
+        <p:txBody>
+          <a:bodyPr/>
+          <a:lstStyle/>
+          <a:p>
+            <a:fld id="{15F1861D-9581-4A48-9820-D58A0946BC9C}" type="slidenum">
+              <a:rPr lang="en-US" smtClean="0"/>
+              <a:t>6</a:t>
+            </a:fld>
+            <a:endParaRPr lang="en-US"/>
+          </a:p>
+        </p:txBody>
+      </p:sp>
+    </p:spTree>
+    <p:extLst>
+      <p:ext uri="{BB962C8B-B14F-4D97-AF65-F5344CB8AC3E}">
+        <p14:creationId xmlns:p14="http://schemas.microsoft.com/office/powerpoint/2010/main" val="1936818415"/>
       </p:ext>
     </p:extLst>
   </p:cSld>
@@ -720,7 +1157,7 @@
           <a:p>
             <a:fld id="{0D574C51-9ECA-6C4E-AA46-A5B33C47EB28}" type="datetimeFigureOut">
               <a:rPr lang="en-US" smtClean="0"/>
-              <a:t>6/27/22</a:t>
+              <a:t>6/28/22</a:t>
             </a:fld>
             <a:endParaRPr lang="en-US"/>
           </a:p>
@@ -918,7 +1355,7 @@
           <a:p>
             <a:fld id="{0D574C51-9ECA-6C4E-AA46-A5B33C47EB28}" type="datetimeFigureOut">
               <a:rPr lang="en-US" smtClean="0"/>
-              <a:t>6/27/22</a:t>
+              <a:t>6/28/22</a:t>
             </a:fld>
             <a:endParaRPr lang="en-US"/>
           </a:p>
@@ -1126,7 +1563,7 @@
           <a:p>
             <a:fld id="{0D574C51-9ECA-6C4E-AA46-A5B33C47EB28}" type="datetimeFigureOut">
               <a:rPr lang="en-US" smtClean="0"/>
-              <a:t>6/27/22</a:t>
+              <a:t>6/28/22</a:t>
             </a:fld>
             <a:endParaRPr lang="en-US"/>
           </a:p>
@@ -1324,7 +1761,7 @@
           <a:p>
             <a:fld id="{0D574C51-9ECA-6C4E-AA46-A5B33C47EB28}" type="datetimeFigureOut">
               <a:rPr lang="en-US" smtClean="0"/>
-              <a:t>6/27/22</a:t>
+              <a:t>6/28/22</a:t>
             </a:fld>
             <a:endParaRPr lang="en-US"/>
           </a:p>
@@ -1599,7 +2036,7 @@
           <a:p>
             <a:fld id="{0D574C51-9ECA-6C4E-AA46-A5B33C47EB28}" type="datetimeFigureOut">
               <a:rPr lang="en-US" smtClean="0"/>
-              <a:t>6/27/22</a:t>
+              <a:t>6/28/22</a:t>
             </a:fld>
             <a:endParaRPr lang="en-US"/>
           </a:p>
@@ -1864,7 +2301,7 @@
           <a:p>
             <a:fld id="{0D574C51-9ECA-6C4E-AA46-A5B33C47EB28}" type="datetimeFigureOut">
               <a:rPr lang="en-US" smtClean="0"/>
-              <a:t>6/27/22</a:t>
+              <a:t>6/28/22</a:t>
             </a:fld>
             <a:endParaRPr lang="en-US"/>
           </a:p>
@@ -2276,7 +2713,7 @@
           <a:p>
             <a:fld id="{0D574C51-9ECA-6C4E-AA46-A5B33C47EB28}" type="datetimeFigureOut">
               <a:rPr lang="en-US" smtClean="0"/>
-              <a:t>6/27/22</a:t>
+              <a:t>6/28/22</a:t>
             </a:fld>
             <a:endParaRPr lang="en-US"/>
           </a:p>
@@ -2417,7 +2854,7 @@
           <a:p>
             <a:fld id="{0D574C51-9ECA-6C4E-AA46-A5B33C47EB28}" type="datetimeFigureOut">
               <a:rPr lang="en-US" smtClean="0"/>
-              <a:t>6/27/22</a:t>
+              <a:t>6/28/22</a:t>
             </a:fld>
             <a:endParaRPr lang="en-US"/>
           </a:p>
@@ -2530,7 +2967,7 @@
           <a:p>
             <a:fld id="{0D574C51-9ECA-6C4E-AA46-A5B33C47EB28}" type="datetimeFigureOut">
               <a:rPr lang="en-US" smtClean="0"/>
-              <a:t>6/27/22</a:t>
+              <a:t>6/28/22</a:t>
             </a:fld>
             <a:endParaRPr lang="en-US"/>
           </a:p>
@@ -2841,7 +3278,7 @@
           <a:p>
             <a:fld id="{0D574C51-9ECA-6C4E-AA46-A5B33C47EB28}" type="datetimeFigureOut">
               <a:rPr lang="en-US" smtClean="0"/>
-              <a:t>6/27/22</a:t>
+              <a:t>6/28/22</a:t>
             </a:fld>
             <a:endParaRPr lang="en-US"/>
           </a:p>
@@ -3129,7 +3566,7 @@
           <a:p>
             <a:fld id="{0D574C51-9ECA-6C4E-AA46-A5B33C47EB28}" type="datetimeFigureOut">
               <a:rPr lang="en-US" smtClean="0"/>
-              <a:t>6/27/22</a:t>
+              <a:t>6/28/22</a:t>
             </a:fld>
             <a:endParaRPr lang="en-US"/>
           </a:p>
@@ -3370,7 +3807,7 @@
           <a:p>
             <a:fld id="{0D574C51-9ECA-6C4E-AA46-A5B33C47EB28}" type="datetimeFigureOut">
               <a:rPr lang="en-US" smtClean="0"/>
-              <a:t>6/27/22</a:t>
+              <a:t>6/28/22</a:t>
             </a:fld>
             <a:endParaRPr lang="en-US"/>
           </a:p>
@@ -4101,6 +4538,409 @@
     <p:extLst>
       <p:ext uri="{BB962C8B-B14F-4D97-AF65-F5344CB8AC3E}">
         <p14:creationId xmlns:p14="http://schemas.microsoft.com/office/powerpoint/2010/main" val="2887291775"/>
+      </p:ext>
+    </p:extLst>
+  </p:cSld>
+  <p:clrMapOvr>
+    <a:masterClrMapping/>
+  </p:clrMapOvr>
+</p:sld>
+</file>
+
+<file path=ppt/slides/slide3.xml><?xml version="1.0" encoding="utf-8"?>
+<p:sld xmlns:a="http://schemas.openxmlformats.org/drawingml/2006/main" xmlns:r="http://schemas.openxmlformats.org/officeDocument/2006/relationships" xmlns:p="http://schemas.openxmlformats.org/presentationml/2006/main">
+  <p:cSld>
+    <p:spTree>
+      <p:nvGrpSpPr>
+        <p:cNvPr id="1" name=""/>
+        <p:cNvGrpSpPr/>
+        <p:nvPr/>
+      </p:nvGrpSpPr>
+      <p:grpSpPr>
+        <a:xfrm>
+          <a:off x="0" y="0"/>
+          <a:ext cx="0" cy="0"/>
+          <a:chOff x="0" y="0"/>
+          <a:chExt cx="0" cy="0"/>
+        </a:xfrm>
+      </p:grpSpPr>
+      <p:sp>
+        <p:nvSpPr>
+          <p:cNvPr id="14" name="Title 1">
+            <a:extLst>
+              <a:ext uri="{FF2B5EF4-FFF2-40B4-BE49-F238E27FC236}">
+                <a16:creationId xmlns:a16="http://schemas.microsoft.com/office/drawing/2014/main" id="{F54FA224-855E-AE99-0930-D7877E815259}"/>
+              </a:ext>
+            </a:extLst>
+          </p:cNvPr>
+          <p:cNvSpPr>
+            <a:spLocks noGrp="1"/>
+          </p:cNvSpPr>
+          <p:nvPr>
+            <p:ph type="title"/>
+          </p:nvPr>
+        </p:nvSpPr>
+        <p:spPr>
+          <a:xfrm>
+            <a:off x="502227" y="122314"/>
+            <a:ext cx="11187545" cy="537399"/>
+          </a:xfrm>
+        </p:spPr>
+        <p:txBody>
+          <a:bodyPr>
+            <a:noAutofit/>
+          </a:bodyPr>
+          <a:lstStyle/>
+          <a:p>
+            <a:pPr algn="ctr"/>
+            <a:r>
+              <a:rPr lang="en-US" sz="3000" b="1" dirty="0">
+                <a:latin typeface="+mn-lt"/>
+              </a:rPr>
+              <a:t>Zero Branch Support Values in Phosphoprotein Tree</a:t>
+            </a:r>
+          </a:p>
+        </p:txBody>
+      </p:sp>
+      <p:sp>
+        <p:nvSpPr>
+          <p:cNvPr id="3" name="TextBox 2">
+            <a:extLst>
+              <a:ext uri="{FF2B5EF4-FFF2-40B4-BE49-F238E27FC236}">
+                <a16:creationId xmlns:a16="http://schemas.microsoft.com/office/drawing/2014/main" id="{6105A165-8949-B8B6-2B3D-EA80B2E1F989}"/>
+              </a:ext>
+            </a:extLst>
+          </p:cNvPr>
+          <p:cNvSpPr txBox="1"/>
+          <p:nvPr/>
+        </p:nvSpPr>
+        <p:spPr>
+          <a:xfrm>
+            <a:off x="741217" y="1274618"/>
+            <a:ext cx="10709564" cy="2246769"/>
+          </a:xfrm>
+          <a:prstGeom prst="rect">
+            <a:avLst/>
+          </a:prstGeom>
+          <a:noFill/>
+        </p:spPr>
+        <p:txBody>
+          <a:bodyPr wrap="square" rtlCol="0">
+            <a:spAutoFit/>
+          </a:bodyPr>
+          <a:lstStyle/>
+          <a:p>
+            <a:pPr marL="285750" indent="-285750">
+              <a:buFont typeface="Arial" panose="020B0604020202020204" pitchFamily="34" charset="0"/>
+              <a:buChar char="•"/>
+            </a:pPr>
+            <a:r>
+              <a:rPr lang="en-US" sz="2000" dirty="0"/>
+              <a:t>No ambiguous (N) nucleotides in the 4 isolates with 0 branch support. </a:t>
+            </a:r>
+          </a:p>
+          <a:p>
+            <a:pPr marL="285750" indent="-285750">
+              <a:buFont typeface="Arial" panose="020B0604020202020204" pitchFamily="34" charset="0"/>
+              <a:buChar char="•"/>
+            </a:pPr>
+            <a:endParaRPr lang="en-US" sz="2000" dirty="0"/>
+          </a:p>
+          <a:p>
+            <a:pPr marL="285750" indent="-285750">
+              <a:buFont typeface="Arial" panose="020B0604020202020204" pitchFamily="34" charset="0"/>
+              <a:buChar char="•"/>
+            </a:pPr>
+            <a:r>
+              <a:rPr lang="en-US" sz="2000" dirty="0"/>
+              <a:t>2 bat, 1 human, 1 swine. </a:t>
+            </a:r>
+            <a:br>
+              <a:rPr lang="en-US" sz="2000" dirty="0"/>
+            </a:br>
+            <a:r>
+              <a:rPr lang="en-US" sz="2000" dirty="0"/>
+              <a:t>2 Malaysia, 2 Bangladesh. </a:t>
+            </a:r>
+            <a:br>
+              <a:rPr lang="en-US" sz="2000" dirty="0"/>
+            </a:br>
+            <a:r>
+              <a:rPr lang="en-US" sz="2000" i="1" dirty="0"/>
+              <a:t>No obvious trends</a:t>
+            </a:r>
+          </a:p>
+          <a:p>
+            <a:pPr marL="285750" indent="-285750">
+              <a:buFont typeface="Arial" panose="020B0604020202020204" pitchFamily="34" charset="0"/>
+              <a:buChar char="•"/>
+            </a:pPr>
+            <a:endParaRPr lang="en-US" sz="2000" i="1" dirty="0"/>
+          </a:p>
+          <a:p>
+            <a:pPr marL="285750" indent="-285750">
+              <a:buFont typeface="Arial" panose="020B0604020202020204" pitchFamily="34" charset="0"/>
+              <a:buChar char="•"/>
+            </a:pPr>
+            <a:r>
+              <a:rPr lang="en-US" sz="2000" dirty="0"/>
+              <a:t>Run BEAST to generate trees to compare? (Already tried </a:t>
+            </a:r>
+            <a:r>
+              <a:rPr lang="en-US" sz="2000" dirty="0" err="1"/>
+              <a:t>PhyML</a:t>
+            </a:r>
+            <a:r>
+              <a:rPr lang="en-US" sz="2000"/>
+              <a:t> to get ML trees) </a:t>
+            </a:r>
+            <a:endParaRPr lang="en-US" sz="2000" dirty="0"/>
+          </a:p>
+        </p:txBody>
+      </p:sp>
+    </p:spTree>
+    <p:extLst>
+      <p:ext uri="{BB962C8B-B14F-4D97-AF65-F5344CB8AC3E}">
+        <p14:creationId xmlns:p14="http://schemas.microsoft.com/office/powerpoint/2010/main" val="1281652129"/>
+      </p:ext>
+    </p:extLst>
+  </p:cSld>
+  <p:clrMapOvr>
+    <a:masterClrMapping/>
+  </p:clrMapOvr>
+</p:sld>
+</file>
+
+<file path=ppt/slides/slide4.xml><?xml version="1.0" encoding="utf-8"?>
+<p:sld xmlns:a="http://schemas.openxmlformats.org/drawingml/2006/main" xmlns:r="http://schemas.openxmlformats.org/officeDocument/2006/relationships" xmlns:p="http://schemas.openxmlformats.org/presentationml/2006/main">
+  <p:cSld>
+    <p:spTree>
+      <p:nvGrpSpPr>
+        <p:cNvPr id="1" name=""/>
+        <p:cNvGrpSpPr/>
+        <p:nvPr/>
+      </p:nvGrpSpPr>
+      <p:grpSpPr>
+        <a:xfrm>
+          <a:off x="0" y="0"/>
+          <a:ext cx="0" cy="0"/>
+          <a:chOff x="0" y="0"/>
+          <a:chExt cx="0" cy="0"/>
+        </a:xfrm>
+      </p:grpSpPr>
+      <p:pic>
+        <p:nvPicPr>
+          <p:cNvPr id="5" name="Picture 4">
+            <a:extLst>
+              <a:ext uri="{FF2B5EF4-FFF2-40B4-BE49-F238E27FC236}">
+                <a16:creationId xmlns:a16="http://schemas.microsoft.com/office/drawing/2014/main" id="{2CCAC274-1B89-028B-F1BE-7D817238D5EA}"/>
+              </a:ext>
+            </a:extLst>
+          </p:cNvPr>
+          <p:cNvPicPr>
+            <a:picLocks noChangeAspect="1"/>
+          </p:cNvPicPr>
+          <p:nvPr/>
+        </p:nvPicPr>
+        <p:blipFill rotWithShape="1">
+          <a:blip r:embed="rId3"/>
+          <a:srcRect l="9098" t="2778" r="9098" b="5555"/>
+          <a:stretch/>
+        </p:blipFill>
+        <p:spPr>
+          <a:xfrm>
+            <a:off x="248724" y="808149"/>
+            <a:ext cx="11694551" cy="5241701"/>
+          </a:xfrm>
+          <a:prstGeom prst="rect">
+            <a:avLst/>
+          </a:prstGeom>
+        </p:spPr>
+      </p:pic>
+    </p:spTree>
+    <p:extLst>
+      <p:ext uri="{BB962C8B-B14F-4D97-AF65-F5344CB8AC3E}">
+        <p14:creationId xmlns:p14="http://schemas.microsoft.com/office/powerpoint/2010/main" val="3001025340"/>
+      </p:ext>
+    </p:extLst>
+  </p:cSld>
+  <p:clrMapOvr>
+    <a:masterClrMapping/>
+  </p:clrMapOvr>
+</p:sld>
+</file>
+
+<file path=ppt/slides/slide5.xml><?xml version="1.0" encoding="utf-8"?>
+<p:sld xmlns:a="http://schemas.openxmlformats.org/drawingml/2006/main" xmlns:r="http://schemas.openxmlformats.org/officeDocument/2006/relationships" xmlns:p="http://schemas.openxmlformats.org/presentationml/2006/main">
+  <p:cSld>
+    <p:spTree>
+      <p:nvGrpSpPr>
+        <p:cNvPr id="1" name=""/>
+        <p:cNvGrpSpPr/>
+        <p:nvPr/>
+      </p:nvGrpSpPr>
+      <p:grpSpPr>
+        <a:xfrm>
+          <a:off x="0" y="0"/>
+          <a:ext cx="0" cy="0"/>
+          <a:chOff x="0" y="0"/>
+          <a:chExt cx="0" cy="0"/>
+        </a:xfrm>
+      </p:grpSpPr>
+      <p:pic>
+        <p:nvPicPr>
+          <p:cNvPr id="7" name="Picture 6" descr="Chart, scatter chart&#10;&#10;Description automatically generated">
+            <a:extLst>
+              <a:ext uri="{FF2B5EF4-FFF2-40B4-BE49-F238E27FC236}">
+                <a16:creationId xmlns:a16="http://schemas.microsoft.com/office/drawing/2014/main" id="{923B65B1-900E-B522-D846-141D4DDF4BC5}"/>
+              </a:ext>
+            </a:extLst>
+          </p:cNvPr>
+          <p:cNvPicPr>
+            <a:picLocks noChangeAspect="1"/>
+          </p:cNvPicPr>
+          <p:nvPr/>
+        </p:nvPicPr>
+        <p:blipFill rotWithShape="1">
+          <a:blip r:embed="rId3"/>
+          <a:srcRect l="8874" t="2928" r="9260" b="5435"/>
+          <a:stretch/>
+        </p:blipFill>
+        <p:spPr>
+          <a:xfrm>
+            <a:off x="242516" y="808149"/>
+            <a:ext cx="11706968" cy="5241701"/>
+          </a:xfrm>
+          <a:prstGeom prst="rect">
+            <a:avLst/>
+          </a:prstGeom>
+        </p:spPr>
+      </p:pic>
+    </p:spTree>
+    <p:extLst>
+      <p:ext uri="{BB962C8B-B14F-4D97-AF65-F5344CB8AC3E}">
+        <p14:creationId xmlns:p14="http://schemas.microsoft.com/office/powerpoint/2010/main" val="3396235649"/>
+      </p:ext>
+    </p:extLst>
+  </p:cSld>
+  <p:clrMapOvr>
+    <a:masterClrMapping/>
+  </p:clrMapOvr>
+</p:sld>
+</file>
+
+<file path=ppt/slides/slide6.xml><?xml version="1.0" encoding="utf-8"?>
+<p:sld xmlns:a="http://schemas.openxmlformats.org/drawingml/2006/main" xmlns:r="http://schemas.openxmlformats.org/officeDocument/2006/relationships" xmlns:p="http://schemas.openxmlformats.org/presentationml/2006/main">
+  <p:cSld>
+    <p:spTree>
+      <p:nvGrpSpPr>
+        <p:cNvPr id="1" name=""/>
+        <p:cNvGrpSpPr/>
+        <p:nvPr/>
+      </p:nvGrpSpPr>
+      <p:grpSpPr>
+        <a:xfrm>
+          <a:off x="0" y="0"/>
+          <a:ext cx="0" cy="0"/>
+          <a:chOff x="0" y="0"/>
+          <a:chExt cx="0" cy="0"/>
+        </a:xfrm>
+      </p:grpSpPr>
+      <p:pic>
+        <p:nvPicPr>
+          <p:cNvPr id="4098" name="Picture 2">
+            <a:extLst>
+              <a:ext uri="{FF2B5EF4-FFF2-40B4-BE49-F238E27FC236}">
+                <a16:creationId xmlns:a16="http://schemas.microsoft.com/office/drawing/2014/main" id="{8DA156E5-C243-1E91-AB7B-BB55B783FC23}"/>
+              </a:ext>
+            </a:extLst>
+          </p:cNvPr>
+          <p:cNvPicPr>
+            <a:picLocks noChangeAspect="1" noChangeArrowheads="1"/>
+          </p:cNvPicPr>
+          <p:nvPr/>
+        </p:nvPicPr>
+        <p:blipFill>
+          <a:blip r:embed="rId3">
+            <a:extLst>
+              <a:ext uri="{28A0092B-C50C-407E-A947-70E740481C1C}">
+                <a14:useLocalDpi xmlns:a14="http://schemas.microsoft.com/office/drawing/2010/main" val="0"/>
+              </a:ext>
+            </a:extLst>
+          </a:blip>
+          <a:srcRect/>
+          <a:stretch>
+            <a:fillRect/>
+          </a:stretch>
+        </p:blipFill>
+        <p:spPr bwMode="auto">
+          <a:xfrm>
+            <a:off x="110808" y="0"/>
+            <a:ext cx="8288337" cy="6858000"/>
+          </a:xfrm>
+          <a:prstGeom prst="rect">
+            <a:avLst/>
+          </a:prstGeom>
+          <a:noFill/>
+          <a:extLst>
+            <a:ext uri="{909E8E84-426E-40DD-AFC4-6F175D3DCCD1}">
+              <a14:hiddenFill xmlns:a14="http://schemas.microsoft.com/office/drawing/2010/main">
+                <a:solidFill>
+                  <a:srgbClr val="FFFFFF"/>
+                </a:solidFill>
+              </a14:hiddenFill>
+            </a:ext>
+          </a:extLst>
+        </p:spPr>
+      </p:pic>
+      <p:sp>
+        <p:nvSpPr>
+          <p:cNvPr id="6" name="TextBox 5">
+            <a:extLst>
+              <a:ext uri="{FF2B5EF4-FFF2-40B4-BE49-F238E27FC236}">
+                <a16:creationId xmlns:a16="http://schemas.microsoft.com/office/drawing/2014/main" id="{6C28609C-4373-5D65-9405-D7E2EF96F5C5}"/>
+              </a:ext>
+            </a:extLst>
+          </p:cNvPr>
+          <p:cNvSpPr txBox="1"/>
+          <p:nvPr/>
+        </p:nvSpPr>
+        <p:spPr>
+          <a:xfrm>
+            <a:off x="9132570" y="6488668"/>
+            <a:ext cx="3059430" cy="307777"/>
+          </a:xfrm>
+          <a:prstGeom prst="rect">
+            <a:avLst/>
+          </a:prstGeom>
+          <a:noFill/>
+        </p:spPr>
+        <p:txBody>
+          <a:bodyPr wrap="square" rtlCol="0">
+            <a:spAutoFit/>
+          </a:bodyPr>
+          <a:lstStyle/>
+          <a:p>
+            <a:r>
+              <a:rPr lang="en-US" sz="1400" dirty="0"/>
+              <a:t>Jensen </a:t>
+            </a:r>
+            <a:r>
+              <a:rPr lang="en-US" sz="1400" i="1" dirty="0"/>
+              <a:t>et al., Biophysical Journal</a:t>
+            </a:r>
+            <a:r>
+              <a:rPr lang="en-US" sz="1400" dirty="0"/>
+              <a:t>, 2020</a:t>
+            </a:r>
+            <a:endParaRPr lang="en-US" sz="1400" i="1" dirty="0"/>
+          </a:p>
+        </p:txBody>
+      </p:sp>
+    </p:spTree>
+    <p:extLst>
+      <p:ext uri="{BB962C8B-B14F-4D97-AF65-F5344CB8AC3E}">
+        <p14:creationId xmlns:p14="http://schemas.microsoft.com/office/powerpoint/2010/main" val="481116541"/>
       </p:ext>
     </p:extLst>
   </p:cSld>

--- a/writing/20220629.pptx
+++ b/writing/20220629.pptx
@@ -4691,10 +4691,9 @@
               <a:t>PhyML</a:t>
             </a:r>
             <a:r>
-              <a:rPr lang="en-US" sz="2000"/>
+              <a:rPr lang="en-US" sz="2000" dirty="0"/>
               <a:t> to get ML trees) </a:t>
             </a:r>
-            <a:endParaRPr lang="en-US" sz="2000" dirty="0"/>
           </a:p>
         </p:txBody>
       </p:sp>
